--- a/public/uploads/slides/ppt/Design Team Cards.pptx
+++ b/public/uploads/slides/ppt/Design Team Cards.pptx
@@ -2184,7 +2184,7 @@
           </a:ln>
           <a:extLst>
             <a:ext uri="{C572A759-6A51-4108-AA02-DFA0A04FC94B}">
-              <ma14:wrappingTextBoxFlag xmlns="" xmlns:ma14="http://schemas.microsoft.com/office/mac/drawingml/2011/main" val="1"/>
+              <ma14:wrappingTextBoxFlag xmlns:ma14="http://schemas.microsoft.com/office/mac/drawingml/2011/main" xmlns="" val="1"/>
             </a:ext>
           </a:extLst>
         </p:spPr>
@@ -2223,7 +2223,7 @@
           </a:ln>
           <a:extLst>
             <a:ext uri="{C572A759-6A51-4108-AA02-DFA0A04FC94B}">
-              <ma14:wrappingTextBoxFlag xmlns="" xmlns:ma14="http://schemas.microsoft.com/office/mac/drawingml/2011/main" val="1"/>
+              <ma14:wrappingTextBoxFlag xmlns:ma14="http://schemas.microsoft.com/office/mac/drawingml/2011/main" xmlns="" val="1"/>
             </a:ext>
           </a:extLst>
         </p:spPr>
@@ -3185,10 +3185,10 @@
         </p:nvGrpSpPr>
         <p:grpSpPr>
           <a:xfrm>
-            <a:off x="-55835" y="-25693"/>
-            <a:ext cx="24454900" cy="13013444"/>
-            <a:chOff x="-35450" y="-30469"/>
-            <a:chExt cx="24454900" cy="13013444"/>
+            <a:off x="-55836" y="-25693"/>
+            <a:ext cx="24510735" cy="13013444"/>
+            <a:chOff x="-35451" y="-30469"/>
+            <a:chExt cx="24510735" cy="13013444"/>
           </a:xfrm>
         </p:grpSpPr>
         <p:sp>
@@ -3210,7 +3210,7 @@
             </a:ln>
             <a:extLst>
               <a:ext uri="{C572A759-6A51-4108-AA02-DFA0A04FC94B}">
-                <ma14:wrappingTextBoxFlag xmlns="" xmlns:ma14="http://schemas.microsoft.com/office/mac/drawingml/2011/main" val="1"/>
+                <ma14:wrappingTextBoxFlag xmlns:ma14="http://schemas.microsoft.com/office/mac/drawingml/2011/main" xmlns="" val="1"/>
               </a:ext>
             </a:extLst>
           </p:spPr>
@@ -3256,8 +3256,8 @@
           </p:nvSpPr>
           <p:spPr>
             <a:xfrm>
-              <a:off x="-35450" y="-30469"/>
-              <a:ext cx="24445576" cy="11221231"/>
+              <a:off x="-35451" y="-30469"/>
+              <a:ext cx="24510735" cy="11221231"/>
             </a:xfrm>
             <a:prstGeom prst="rect">
               <a:avLst/>
@@ -3349,7 +3349,7 @@
             </a:ln>
             <a:extLst>
               <a:ext uri="{C572A759-6A51-4108-AA02-DFA0A04FC94B}">
-                <ma14:wrappingTextBoxFlag xmlns="" xmlns:ma14="http://schemas.microsoft.com/office/mac/drawingml/2011/main" val="1"/>
+                <ma14:wrappingTextBoxFlag xmlns:ma14="http://schemas.microsoft.com/office/mac/drawingml/2011/main" xmlns="" val="1"/>
               </a:ext>
             </a:extLst>
           </p:spPr>
@@ -3396,7 +3396,7 @@
             </a:ln>
             <a:extLst>
               <a:ext uri="{C572A759-6A51-4108-AA02-DFA0A04FC94B}">
-                <ma14:wrappingTextBoxFlag xmlns="" xmlns:ma14="http://schemas.microsoft.com/office/mac/drawingml/2011/main" val="1"/>
+                <ma14:wrappingTextBoxFlag xmlns:ma14="http://schemas.microsoft.com/office/mac/drawingml/2011/main" xmlns="" val="1"/>
               </a:ext>
             </a:extLst>
           </p:spPr>
@@ -3518,8 +3518,8 @@
         </p:nvSpPr>
         <p:spPr>
           <a:xfrm>
-            <a:off x="15952897" y="12351216"/>
-            <a:ext cx="7672036" cy="1067599"/>
+            <a:off x="11959389" y="12505104"/>
+            <a:ext cx="11665544" cy="759822"/>
           </a:xfrm>
           <a:prstGeom prst="rect">
             <a:avLst/>
@@ -3529,12 +3529,12 @@
           </a:ln>
           <a:extLst>
             <a:ext uri="{C572A759-6A51-4108-AA02-DFA0A04FC94B}">
-              <ma14:wrappingTextBoxFlag xmlns="" xmlns:ma14="http://schemas.microsoft.com/office/mac/drawingml/2011/main" val="1"/>
+              <ma14:wrappingTextBoxFlag xmlns:ma14="http://schemas.microsoft.com/office/mac/drawingml/2011/main" xmlns="" val="1"/>
             </a:ext>
           </a:extLst>
         </p:spPr>
         <p:txBody>
-          <a:bodyPr wrap="none" lIns="71437" tIns="71437" rIns="71437" bIns="71437" anchor="ctr">
+          <a:bodyPr wrap="square" lIns="71437" tIns="71437" rIns="71437" bIns="71437" anchor="ctr">
             <a:spAutoFit/>
           </a:bodyPr>
           <a:lstStyle/>
@@ -3574,30 +3574,11 @@
               <a:rPr lang="en-AU" sz="2000" b="0" dirty="0">
                 <a:sym typeface="Montserrat Medium"/>
               </a:rPr>
-              <a:t>/</a:t>
+              <a:t>/photos/NO1MXvxy02o/</a:t>
             </a:r>
           </a:p>
           <a:p>
-            <a:pPr algn="r">
-              <a:defRPr sz="2000" b="0">
-                <a:solidFill>
-                  <a:srgbClr val="919191"/>
-                </a:solidFill>
-                <a:latin typeface="Montserrat Medium"/>
-                <a:ea typeface="Montserrat Medium"/>
-                <a:cs typeface="Montserrat Medium"/>
-                <a:sym typeface="Montserrat Medium"/>
-              </a:defRPr>
-            </a:pPr>
-            <a:r>
-              <a:rPr lang="en-AU" sz="2000" b="0" dirty="0">
-                <a:sym typeface="Montserrat Medium"/>
-              </a:rPr>
-              <a:t>photos/NO1MXvxy02o/</a:t>
-            </a:r>
-          </a:p>
-          <a:p>
-            <a:pPr algn="r">
+            <a:pPr algn="l">
               <a:defRPr sz="2000" b="0">
                 <a:solidFill>
                   <a:srgbClr val="919191"/>
@@ -3637,7 +3618,7 @@
           </a:ln>
           <a:extLst>
             <a:ext uri="{C572A759-6A51-4108-AA02-DFA0A04FC94B}">
-              <ma14:wrappingTextBoxFlag xmlns="" xmlns:ma14="http://schemas.microsoft.com/office/mac/drawingml/2011/main" val="1"/>
+              <ma14:wrappingTextBoxFlag xmlns:ma14="http://schemas.microsoft.com/office/mac/drawingml/2011/main" xmlns="" val="1"/>
             </a:ext>
           </a:extLst>
         </p:spPr>
@@ -3958,7 +3939,7 @@
           </a:ln>
           <a:extLst>
             <a:ext uri="{C572A759-6A51-4108-AA02-DFA0A04FC94B}">
-              <ma14:wrappingTextBoxFlag xmlns="" xmlns:ma14="http://schemas.microsoft.com/office/mac/drawingml/2011/main" val="1"/>
+              <ma14:wrappingTextBoxFlag xmlns:ma14="http://schemas.microsoft.com/office/mac/drawingml/2011/main" xmlns="" val="1"/>
             </a:ext>
           </a:extLst>
         </p:spPr>
@@ -4015,7 +3996,7 @@
           </a:ln>
           <a:extLst>
             <a:ext uri="{C572A759-6A51-4108-AA02-DFA0A04FC94B}">
-              <ma14:wrappingTextBoxFlag xmlns="" xmlns:ma14="http://schemas.microsoft.com/office/mac/drawingml/2011/main" val="1"/>
+              <ma14:wrappingTextBoxFlag xmlns:ma14="http://schemas.microsoft.com/office/mac/drawingml/2011/main" xmlns="" val="1"/>
             </a:ext>
           </a:extLst>
         </p:spPr>
@@ -4238,7 +4219,7 @@
             </a:ln>
             <a:extLst>
               <a:ext uri="{C572A759-6A51-4108-AA02-DFA0A04FC94B}">
-                <ma14:wrappingTextBoxFlag xmlns="" xmlns:ma14="http://schemas.microsoft.com/office/mac/drawingml/2011/main" val="1"/>
+                <ma14:wrappingTextBoxFlag xmlns:ma14="http://schemas.microsoft.com/office/mac/drawingml/2011/main" xmlns="" val="1"/>
               </a:ext>
             </a:extLst>
           </p:spPr>
@@ -4286,7 +4267,7 @@
             </a:ln>
             <a:extLst>
               <a:ext uri="{C572A759-6A51-4108-AA02-DFA0A04FC94B}">
-                <ma14:wrappingTextBoxFlag xmlns="" xmlns:ma14="http://schemas.microsoft.com/office/mac/drawingml/2011/main" val="1"/>
+                <ma14:wrappingTextBoxFlag xmlns:ma14="http://schemas.microsoft.com/office/mac/drawingml/2011/main" xmlns="" val="1"/>
               </a:ext>
             </a:extLst>
           </p:spPr>
@@ -4341,7 +4322,7 @@
           </a:ln>
           <a:extLst>
             <a:ext uri="{C572A759-6A51-4108-AA02-DFA0A04FC94B}">
-              <ma14:wrappingTextBoxFlag xmlns="" xmlns:ma14="http://schemas.microsoft.com/office/mac/drawingml/2011/main" val="1"/>
+              <ma14:wrappingTextBoxFlag xmlns:ma14="http://schemas.microsoft.com/office/mac/drawingml/2011/main" xmlns="" val="1"/>
             </a:ext>
           </a:extLst>
         </p:spPr>
@@ -4521,7 +4502,7 @@
           </a:ln>
           <a:extLst>
             <a:ext uri="{C572A759-6A51-4108-AA02-DFA0A04FC94B}">
-              <ma14:wrappingTextBoxFlag xmlns="" xmlns:ma14="http://schemas.microsoft.com/office/mac/drawingml/2011/main" val="1"/>
+              <ma14:wrappingTextBoxFlag xmlns:ma14="http://schemas.microsoft.com/office/mac/drawingml/2011/main" xmlns="" val="1"/>
             </a:ext>
           </a:extLst>
         </p:spPr>
@@ -4576,7 +4557,7 @@
           </a:ln>
           <a:extLst>
             <a:ext uri="{C572A759-6A51-4108-AA02-DFA0A04FC94B}">
-              <ma14:wrappingTextBoxFlag xmlns="" xmlns:ma14="http://schemas.microsoft.com/office/mac/drawingml/2011/main" val="1"/>
+              <ma14:wrappingTextBoxFlag xmlns:ma14="http://schemas.microsoft.com/office/mac/drawingml/2011/main" xmlns="" val="1"/>
             </a:ext>
           </a:extLst>
         </p:spPr>
@@ -4632,7 +4613,7 @@
           </a:ln>
           <a:extLst>
             <a:ext uri="{C572A759-6A51-4108-AA02-DFA0A04FC94B}">
-              <ma14:wrappingTextBoxFlag xmlns="" xmlns:ma14="http://schemas.microsoft.com/office/mac/drawingml/2011/main" val="1"/>
+              <ma14:wrappingTextBoxFlag xmlns:ma14="http://schemas.microsoft.com/office/mac/drawingml/2011/main" xmlns="" val="1"/>
             </a:ext>
           </a:extLst>
         </p:spPr>
@@ -4688,7 +4669,7 @@
           </a:ln>
           <a:extLst>
             <a:ext uri="{C572A759-6A51-4108-AA02-DFA0A04FC94B}">
-              <ma14:wrappingTextBoxFlag xmlns="" xmlns:ma14="http://schemas.microsoft.com/office/mac/drawingml/2011/main" val="1"/>
+              <ma14:wrappingTextBoxFlag xmlns:ma14="http://schemas.microsoft.com/office/mac/drawingml/2011/main" xmlns="" val="1"/>
             </a:ext>
           </a:extLst>
         </p:spPr>
@@ -4744,7 +4725,7 @@
           </a:ln>
           <a:extLst>
             <a:ext uri="{C572A759-6A51-4108-AA02-DFA0A04FC94B}">
-              <ma14:wrappingTextBoxFlag xmlns="" xmlns:ma14="http://schemas.microsoft.com/office/mac/drawingml/2011/main" val="1"/>
+              <ma14:wrappingTextBoxFlag xmlns:ma14="http://schemas.microsoft.com/office/mac/drawingml/2011/main" xmlns="" val="1"/>
             </a:ext>
           </a:extLst>
         </p:spPr>
@@ -4800,7 +4781,7 @@
           </a:ln>
           <a:extLst>
             <a:ext uri="{C572A759-6A51-4108-AA02-DFA0A04FC94B}">
-              <ma14:wrappingTextBoxFlag xmlns="" xmlns:ma14="http://schemas.microsoft.com/office/mac/drawingml/2011/main" val="1"/>
+              <ma14:wrappingTextBoxFlag xmlns:ma14="http://schemas.microsoft.com/office/mac/drawingml/2011/main" xmlns="" val="1"/>
             </a:ext>
           </a:extLst>
         </p:spPr>
@@ -4987,7 +4968,7 @@
             </a:ln>
             <a:extLst>
               <a:ext uri="{C572A759-6A51-4108-AA02-DFA0A04FC94B}">
-                <ma14:wrappingTextBoxFlag xmlns="" xmlns:ma14="http://schemas.microsoft.com/office/mac/drawingml/2011/main" val="1"/>
+                <ma14:wrappingTextBoxFlag xmlns:ma14="http://schemas.microsoft.com/office/mac/drawingml/2011/main" xmlns="" val="1"/>
               </a:ext>
             </a:extLst>
           </p:spPr>
@@ -5072,7 +5053,7 @@
             </a:ln>
             <a:extLst>
               <a:ext uri="{C572A759-6A51-4108-AA02-DFA0A04FC94B}">
-                <ma14:wrappingTextBoxFlag xmlns="" xmlns:ma14="http://schemas.microsoft.com/office/mac/drawingml/2011/main" val="1"/>
+                <ma14:wrappingTextBoxFlag xmlns:ma14="http://schemas.microsoft.com/office/mac/drawingml/2011/main" xmlns="" val="1"/>
               </a:ext>
             </a:extLst>
           </p:spPr>
@@ -5178,7 +5159,7 @@
             </a:ln>
             <a:extLst>
               <a:ext uri="{C572A759-6A51-4108-AA02-DFA0A04FC94B}">
-                <ma14:wrappingTextBoxFlag xmlns="" xmlns:ma14="http://schemas.microsoft.com/office/mac/drawingml/2011/main" val="1"/>
+                <ma14:wrappingTextBoxFlag xmlns:ma14="http://schemas.microsoft.com/office/mac/drawingml/2011/main" xmlns="" val="1"/>
               </a:ext>
             </a:extLst>
           </p:spPr>
@@ -5227,7 +5208,7 @@
             </a:ln>
             <a:extLst>
               <a:ext uri="{C572A759-6A51-4108-AA02-DFA0A04FC94B}">
-                <ma14:wrappingTextBoxFlag xmlns="" xmlns:ma14="http://schemas.microsoft.com/office/mac/drawingml/2011/main" val="1"/>
+                <ma14:wrappingTextBoxFlag xmlns:ma14="http://schemas.microsoft.com/office/mac/drawingml/2011/main" xmlns="" val="1"/>
               </a:ext>
             </a:extLst>
           </p:spPr>
@@ -5275,7 +5256,7 @@
             </a:ln>
             <a:extLst>
               <a:ext uri="{C572A759-6A51-4108-AA02-DFA0A04FC94B}">
-                <ma14:wrappingTextBoxFlag xmlns="" xmlns:ma14="http://schemas.microsoft.com/office/mac/drawingml/2011/main" val="1"/>
+                <ma14:wrappingTextBoxFlag xmlns:ma14="http://schemas.microsoft.com/office/mac/drawingml/2011/main" xmlns="" val="1"/>
               </a:ext>
             </a:extLst>
           </p:spPr>
@@ -5551,7 +5532,7 @@
             </a:ln>
             <a:extLst>
               <a:ext uri="{C572A759-6A51-4108-AA02-DFA0A04FC94B}">
-                <ma14:wrappingTextBoxFlag xmlns="" xmlns:ma14="http://schemas.microsoft.com/office/mac/drawingml/2011/main" val="1"/>
+                <ma14:wrappingTextBoxFlag xmlns:ma14="http://schemas.microsoft.com/office/mac/drawingml/2011/main" xmlns="" val="1"/>
               </a:ext>
             </a:extLst>
           </p:spPr>
@@ -5600,7 +5581,7 @@
             </a:ln>
             <a:extLst>
               <a:ext uri="{C572A759-6A51-4108-AA02-DFA0A04FC94B}">
-                <ma14:wrappingTextBoxFlag xmlns="" xmlns:ma14="http://schemas.microsoft.com/office/mac/drawingml/2011/main" val="1"/>
+                <ma14:wrappingTextBoxFlag xmlns:ma14="http://schemas.microsoft.com/office/mac/drawingml/2011/main" xmlns="" val="1"/>
               </a:ext>
             </a:extLst>
           </p:spPr>
@@ -5728,7 +5709,7 @@
             </a:ln>
             <a:extLst>
               <a:ext uri="{C572A759-6A51-4108-AA02-DFA0A04FC94B}">
-                <ma14:wrappingTextBoxFlag xmlns="" xmlns:ma14="http://schemas.microsoft.com/office/mac/drawingml/2011/main" val="1"/>
+                <ma14:wrappingTextBoxFlag xmlns:ma14="http://schemas.microsoft.com/office/mac/drawingml/2011/main" xmlns="" val="1"/>
               </a:ext>
             </a:extLst>
           </p:spPr>
@@ -5866,7 +5847,7 @@
             </a:ln>
             <a:extLst>
               <a:ext uri="{C572A759-6A51-4108-AA02-DFA0A04FC94B}">
-                <ma14:wrappingTextBoxFlag xmlns="" xmlns:ma14="http://schemas.microsoft.com/office/mac/drawingml/2011/main" val="1"/>
+                <ma14:wrappingTextBoxFlag xmlns:ma14="http://schemas.microsoft.com/office/mac/drawingml/2011/main" xmlns="" val="1"/>
               </a:ext>
             </a:extLst>
           </p:spPr>
@@ -5923,7 +5904,7 @@
             </a:ln>
             <a:extLst>
               <a:ext uri="{C572A759-6A51-4108-AA02-DFA0A04FC94B}">
-                <ma14:wrappingTextBoxFlag xmlns="" xmlns:ma14="http://schemas.microsoft.com/office/mac/drawingml/2011/main" val="1"/>
+                <ma14:wrappingTextBoxFlag xmlns:ma14="http://schemas.microsoft.com/office/mac/drawingml/2011/main" xmlns="" val="1"/>
               </a:ext>
             </a:extLst>
           </p:spPr>
@@ -5958,10 +5939,10 @@
       </p:grpSp>
       <p:sp>
         <p:nvSpPr>
-          <p:cNvPr id="35" name="Shape 275">
+          <p:cNvPr id="36" name="Shape 275">
             <a:extLst>
               <a:ext uri="{FF2B5EF4-FFF2-40B4-BE49-F238E27FC236}">
-                <a16:creationId xmlns:a16="http://schemas.microsoft.com/office/drawing/2014/main" id="{59118056-5FCF-C94B-AC74-229B40ECD584}"/>
+                <a16:creationId xmlns:a16="http://schemas.microsoft.com/office/drawing/2014/main" id="{16516CBB-674D-0547-A453-085F50D4C137}"/>
               </a:ext>
             </a:extLst>
           </p:cNvPr>
@@ -5970,8 +5951,8 @@
         </p:nvSpPr>
         <p:spPr>
           <a:xfrm>
-            <a:off x="15952897" y="12351216"/>
-            <a:ext cx="7672036" cy="1067599"/>
+            <a:off x="11959389" y="12505104"/>
+            <a:ext cx="11665544" cy="759822"/>
           </a:xfrm>
           <a:prstGeom prst="rect">
             <a:avLst/>
@@ -5981,12 +5962,12 @@
           </a:ln>
           <a:extLst>
             <a:ext uri="{C572A759-6A51-4108-AA02-DFA0A04FC94B}">
-              <ma14:wrappingTextBoxFlag xmlns="" xmlns:ma14="http://schemas.microsoft.com/office/mac/drawingml/2011/main" val="1"/>
+              <ma14:wrappingTextBoxFlag xmlns:ma14="http://schemas.microsoft.com/office/mac/drawingml/2011/main" xmlns="" val="1"/>
             </a:ext>
           </a:extLst>
         </p:spPr>
         <p:txBody>
-          <a:bodyPr wrap="none" lIns="71437" tIns="71437" rIns="71437" bIns="71437" anchor="ctr">
+          <a:bodyPr wrap="square" lIns="71437" tIns="71437" rIns="71437" bIns="71437" anchor="ctr">
             <a:spAutoFit/>
           </a:bodyPr>
           <a:lstStyle/>
@@ -6026,30 +6007,11 @@
               <a:rPr lang="en-AU" sz="2000" b="0" dirty="0">
                 <a:sym typeface="Montserrat Medium"/>
               </a:rPr>
-              <a:t>/</a:t>
+              <a:t>/photos/NO1MXvxy02o/</a:t>
             </a:r>
           </a:p>
           <a:p>
-            <a:pPr algn="r">
-              <a:defRPr sz="2000" b="0">
-                <a:solidFill>
-                  <a:srgbClr val="919191"/>
-                </a:solidFill>
-                <a:latin typeface="Montserrat Medium"/>
-                <a:ea typeface="Montserrat Medium"/>
-                <a:cs typeface="Montserrat Medium"/>
-                <a:sym typeface="Montserrat Medium"/>
-              </a:defRPr>
-            </a:pPr>
-            <a:r>
-              <a:rPr lang="en-AU" sz="2000" b="0" dirty="0">
-                <a:sym typeface="Montserrat Medium"/>
-              </a:rPr>
-              <a:t>photos/NO1MXvxy02o/</a:t>
-            </a:r>
-          </a:p>
-          <a:p>
-            <a:pPr algn="r">
+            <a:pPr algn="l">
               <a:defRPr sz="2000" b="0">
                 <a:solidFill>
                   <a:srgbClr val="919191"/>
@@ -6115,7 +6077,7 @@
           </a:ln>
           <a:extLst>
             <a:ext uri="{C572A759-6A51-4108-AA02-DFA0A04FC94B}">
-              <ma14:wrappingTextBoxFlag xmlns="" xmlns:ma14="http://schemas.microsoft.com/office/mac/drawingml/2011/main" val="1"/>
+              <ma14:wrappingTextBoxFlag xmlns:ma14="http://schemas.microsoft.com/office/mac/drawingml/2011/main" xmlns="" val="1"/>
             </a:ext>
           </a:extLst>
         </p:spPr>
@@ -6177,7 +6139,7 @@
           </a:ln>
           <a:extLst>
             <a:ext uri="{C572A759-6A51-4108-AA02-DFA0A04FC94B}">
-              <ma14:wrappingTextBoxFlag xmlns="" xmlns:ma14="http://schemas.microsoft.com/office/mac/drawingml/2011/main" val="1"/>
+              <ma14:wrappingTextBoxFlag xmlns:ma14="http://schemas.microsoft.com/office/mac/drawingml/2011/main" xmlns="" val="1"/>
             </a:ext>
           </a:extLst>
         </p:spPr>
@@ -6239,7 +6201,7 @@
           </a:ln>
           <a:extLst>
             <a:ext uri="{C572A759-6A51-4108-AA02-DFA0A04FC94B}">
-              <ma14:wrappingTextBoxFlag xmlns="" xmlns:ma14="http://schemas.microsoft.com/office/mac/drawingml/2011/main" val="1"/>
+              <ma14:wrappingTextBoxFlag xmlns:ma14="http://schemas.microsoft.com/office/mac/drawingml/2011/main" xmlns="" val="1"/>
             </a:ext>
           </a:extLst>
         </p:spPr>
@@ -6301,7 +6263,7 @@
           </a:ln>
           <a:extLst>
             <a:ext uri="{C572A759-6A51-4108-AA02-DFA0A04FC94B}">
-              <ma14:wrappingTextBoxFlag xmlns="" xmlns:ma14="http://schemas.microsoft.com/office/mac/drawingml/2011/main" val="1"/>
+              <ma14:wrappingTextBoxFlag xmlns:ma14="http://schemas.microsoft.com/office/mac/drawingml/2011/main" xmlns="" val="1"/>
             </a:ext>
           </a:extLst>
         </p:spPr>
@@ -6363,7 +6325,7 @@
           </a:ln>
           <a:extLst>
             <a:ext uri="{C572A759-6A51-4108-AA02-DFA0A04FC94B}">
-              <ma14:wrappingTextBoxFlag xmlns="" xmlns:ma14="http://schemas.microsoft.com/office/mac/drawingml/2011/main" val="1"/>
+              <ma14:wrappingTextBoxFlag xmlns:ma14="http://schemas.microsoft.com/office/mac/drawingml/2011/main" xmlns="" val="1"/>
             </a:ext>
           </a:extLst>
         </p:spPr>
@@ -6523,7 +6485,7 @@
           </a:ln>
           <a:extLst>
             <a:ext uri="{C572A759-6A51-4108-AA02-DFA0A04FC94B}">
-              <ma14:wrappingTextBoxFlag xmlns:ma14="http://schemas.microsoft.com/office/mac/drawingml/2011/main" xmlns="" val="1"/>
+              <ma14:wrappingTextBoxFlag xmlns="" xmlns:ma14="http://schemas.microsoft.com/office/mac/drawingml/2011/main" val="1"/>
             </a:ext>
           </a:extLst>
         </p:spPr>
@@ -6699,7 +6661,7 @@
             </a:ln>
             <a:extLst>
               <a:ext uri="{C572A759-6A51-4108-AA02-DFA0A04FC94B}">
-                <ma14:wrappingTextBoxFlag xmlns:ma14="http://schemas.microsoft.com/office/mac/drawingml/2011/main" xmlns="" val="1"/>
+                <ma14:wrappingTextBoxFlag xmlns="" xmlns:ma14="http://schemas.microsoft.com/office/mac/drawingml/2011/main" val="1"/>
               </a:ext>
             </a:extLst>
           </p:spPr>
@@ -6787,7 +6749,7 @@
             </a:ln>
             <a:extLst>
               <a:ext uri="{C572A759-6A51-4108-AA02-DFA0A04FC94B}">
-                <ma14:wrappingTextBoxFlag xmlns:ma14="http://schemas.microsoft.com/office/mac/drawingml/2011/main" xmlns="" val="1"/>
+                <ma14:wrappingTextBoxFlag xmlns="" xmlns:ma14="http://schemas.microsoft.com/office/mac/drawingml/2011/main" val="1"/>
               </a:ext>
             </a:extLst>
           </p:spPr>
@@ -6890,7 +6852,7 @@
             </a:ln>
             <a:extLst>
               <a:ext uri="{C572A759-6A51-4108-AA02-DFA0A04FC94B}">
-                <ma14:wrappingTextBoxFlag xmlns:ma14="http://schemas.microsoft.com/office/mac/drawingml/2011/main" xmlns="" val="1"/>
+                <ma14:wrappingTextBoxFlag xmlns="" xmlns:ma14="http://schemas.microsoft.com/office/mac/drawingml/2011/main" val="1"/>
               </a:ext>
             </a:extLst>
           </p:spPr>
@@ -6938,7 +6900,7 @@
             </a:ln>
             <a:extLst>
               <a:ext uri="{C572A759-6A51-4108-AA02-DFA0A04FC94B}">
-                <ma14:wrappingTextBoxFlag xmlns:ma14="http://schemas.microsoft.com/office/mac/drawingml/2011/main" xmlns="" val="1"/>
+                <ma14:wrappingTextBoxFlag xmlns="" xmlns:ma14="http://schemas.microsoft.com/office/mac/drawingml/2011/main" val="1"/>
               </a:ext>
             </a:extLst>
           </p:spPr>
@@ -6986,7 +6948,7 @@
             </a:ln>
             <a:extLst>
               <a:ext uri="{C572A759-6A51-4108-AA02-DFA0A04FC94B}">
-                <ma14:wrappingTextBoxFlag xmlns:ma14="http://schemas.microsoft.com/office/mac/drawingml/2011/main" xmlns="" val="1"/>
+                <ma14:wrappingTextBoxFlag xmlns="" xmlns:ma14="http://schemas.microsoft.com/office/mac/drawingml/2011/main" val="1"/>
               </a:ext>
             </a:extLst>
           </p:spPr>
@@ -7148,7 +7110,7 @@
             </a:ln>
             <a:extLst>
               <a:ext uri="{C572A759-6A51-4108-AA02-DFA0A04FC94B}">
-                <ma14:wrappingTextBoxFlag xmlns:ma14="http://schemas.microsoft.com/office/mac/drawingml/2011/main" xmlns="" val="1"/>
+                <ma14:wrappingTextBoxFlag xmlns="" xmlns:ma14="http://schemas.microsoft.com/office/mac/drawingml/2011/main" val="1"/>
               </a:ext>
             </a:extLst>
           </p:spPr>
@@ -7196,7 +7158,7 @@
             </a:ln>
             <a:extLst>
               <a:ext uri="{C572A759-6A51-4108-AA02-DFA0A04FC94B}">
-                <ma14:wrappingTextBoxFlag xmlns:ma14="http://schemas.microsoft.com/office/mac/drawingml/2011/main" xmlns="" val="1"/>
+                <ma14:wrappingTextBoxFlag xmlns="" xmlns:ma14="http://schemas.microsoft.com/office/mac/drawingml/2011/main" val="1"/>
               </a:ext>
             </a:extLst>
           </p:spPr>
@@ -7324,7 +7286,7 @@
             </a:ln>
             <a:extLst>
               <a:ext uri="{C572A759-6A51-4108-AA02-DFA0A04FC94B}">
-                <ma14:wrappingTextBoxFlag xmlns:ma14="http://schemas.microsoft.com/office/mac/drawingml/2011/main" xmlns="" val="1"/>
+                <ma14:wrappingTextBoxFlag xmlns="" xmlns:ma14="http://schemas.microsoft.com/office/mac/drawingml/2011/main" val="1"/>
               </a:ext>
             </a:extLst>
           </p:spPr>
@@ -7462,7 +7424,7 @@
             </a:ln>
             <a:extLst>
               <a:ext uri="{C572A759-6A51-4108-AA02-DFA0A04FC94B}">
-                <ma14:wrappingTextBoxFlag xmlns:ma14="http://schemas.microsoft.com/office/mac/drawingml/2011/main" xmlns="" val="1"/>
+                <ma14:wrappingTextBoxFlag xmlns="" xmlns:ma14="http://schemas.microsoft.com/office/mac/drawingml/2011/main" val="1"/>
               </a:ext>
             </a:extLst>
           </p:spPr>
@@ -7646,7 +7608,7 @@
           </a:ln>
           <a:extLst>
             <a:ext uri="{C572A759-6A51-4108-AA02-DFA0A04FC94B}">
-              <ma14:wrappingTextBoxFlag xmlns="" xmlns:ma14="http://schemas.microsoft.com/office/mac/drawingml/2011/main" val="1"/>
+              <ma14:wrappingTextBoxFlag xmlns:ma14="http://schemas.microsoft.com/office/mac/drawingml/2011/main" xmlns="" val="1"/>
             </a:ext>
           </a:extLst>
         </p:spPr>
@@ -7680,10 +7642,10 @@
       </p:sp>
       <p:sp>
         <p:nvSpPr>
-          <p:cNvPr id="38" name="Shape 275">
+          <p:cNvPr id="34" name="Shape 275">
             <a:extLst>
               <a:ext uri="{FF2B5EF4-FFF2-40B4-BE49-F238E27FC236}">
-                <a16:creationId xmlns:a16="http://schemas.microsoft.com/office/drawing/2014/main" id="{8E18F7C8-51C4-4948-9643-86AA3EA74F4D}"/>
+                <a16:creationId xmlns:a16="http://schemas.microsoft.com/office/drawing/2014/main" id="{82C8FD1D-8F0F-4C4C-91C0-6796E87FCD02}"/>
               </a:ext>
             </a:extLst>
           </p:cNvPr>
@@ -7692,8 +7654,8 @@
         </p:nvSpPr>
         <p:spPr>
           <a:xfrm>
-            <a:off x="15952897" y="12351216"/>
-            <a:ext cx="7672036" cy="1067599"/>
+            <a:off x="11959389" y="12505104"/>
+            <a:ext cx="11665544" cy="759822"/>
           </a:xfrm>
           <a:prstGeom prst="rect">
             <a:avLst/>
@@ -7703,12 +7665,12 @@
           </a:ln>
           <a:extLst>
             <a:ext uri="{C572A759-6A51-4108-AA02-DFA0A04FC94B}">
-              <ma14:wrappingTextBoxFlag xmlns="" xmlns:ma14="http://schemas.microsoft.com/office/mac/drawingml/2011/main" val="1"/>
+              <ma14:wrappingTextBoxFlag xmlns:ma14="http://schemas.microsoft.com/office/mac/drawingml/2011/main" xmlns="" val="1"/>
             </a:ext>
           </a:extLst>
         </p:spPr>
         <p:txBody>
-          <a:bodyPr wrap="none" lIns="71437" tIns="71437" rIns="71437" bIns="71437" anchor="ctr">
+          <a:bodyPr wrap="square" lIns="71437" tIns="71437" rIns="71437" bIns="71437" anchor="ctr">
             <a:spAutoFit/>
           </a:bodyPr>
           <a:lstStyle/>
@@ -7748,30 +7710,11 @@
               <a:rPr lang="en-AU" sz="2000" b="0" dirty="0">
                 <a:sym typeface="Montserrat Medium"/>
               </a:rPr>
-              <a:t>/</a:t>
+              <a:t>/photos/NO1MXvxy02o/</a:t>
             </a:r>
           </a:p>
           <a:p>
-            <a:pPr algn="r">
-              <a:defRPr sz="2000" b="0">
-                <a:solidFill>
-                  <a:srgbClr val="919191"/>
-                </a:solidFill>
-                <a:latin typeface="Montserrat Medium"/>
-                <a:ea typeface="Montserrat Medium"/>
-                <a:cs typeface="Montserrat Medium"/>
-                <a:sym typeface="Montserrat Medium"/>
-              </a:defRPr>
-            </a:pPr>
-            <a:r>
-              <a:rPr lang="en-AU" sz="2000" b="0" dirty="0">
-                <a:sym typeface="Montserrat Medium"/>
-              </a:rPr>
-              <a:t>photos/NO1MXvxy02o/</a:t>
-            </a:r>
-          </a:p>
-          <a:p>
-            <a:pPr algn="r">
+            <a:pPr algn="l">
               <a:defRPr sz="2000" b="0">
                 <a:solidFill>
                   <a:srgbClr val="919191"/>
@@ -7819,6 +7762,95 @@
       </p:grpSpPr>
       <p:sp>
         <p:nvSpPr>
+          <p:cNvPr id="34" name="Shape 275">
+            <a:extLst>
+              <a:ext uri="{FF2B5EF4-FFF2-40B4-BE49-F238E27FC236}">
+                <a16:creationId xmlns:a16="http://schemas.microsoft.com/office/drawing/2014/main" id="{A3BCFA53-C319-E443-B396-A65A1E3E3775}"/>
+              </a:ext>
+            </a:extLst>
+          </p:cNvPr>
+          <p:cNvSpPr/>
+          <p:nvPr/>
+        </p:nvSpPr>
+        <p:spPr>
+          <a:xfrm>
+            <a:off x="11959389" y="12505104"/>
+            <a:ext cx="11665544" cy="759822"/>
+          </a:xfrm>
+          <a:prstGeom prst="rect">
+            <a:avLst/>
+          </a:prstGeom>
+          <a:ln w="12700">
+            <a:miter lim="400000"/>
+          </a:ln>
+          <a:extLst>
+            <a:ext uri="{C572A759-6A51-4108-AA02-DFA0A04FC94B}">
+              <ma14:wrappingTextBoxFlag xmlns:ma14="http://schemas.microsoft.com/office/mac/drawingml/2011/main" xmlns="" val="1"/>
+            </a:ext>
+          </a:extLst>
+        </p:spPr>
+        <p:txBody>
+          <a:bodyPr wrap="square" lIns="71437" tIns="71437" rIns="71437" bIns="71437" anchor="ctr">
+            <a:spAutoFit/>
+          </a:bodyPr>
+          <a:lstStyle/>
+          <a:p>
+            <a:pPr algn="r">
+              <a:defRPr sz="2000" b="0">
+                <a:solidFill>
+                  <a:srgbClr val="919191"/>
+                </a:solidFill>
+                <a:latin typeface="Montserrat Medium"/>
+                <a:ea typeface="Montserrat Medium"/>
+                <a:cs typeface="Montserrat Medium"/>
+                <a:sym typeface="Montserrat Medium"/>
+              </a:defRPr>
+            </a:pPr>
+            <a:r>
+              <a:rPr dirty="0"/>
+              <a:t>Image Attribution</a:t>
+            </a:r>
+            <a:r>
+              <a:rPr lang="en-AU" dirty="0"/>
+              <a:t>: S</a:t>
+            </a:r>
+            <a:r>
+              <a:rPr lang="en-AU" sz="2000" b="0" dirty="0">
+                <a:sym typeface="Montserrat Medium"/>
+              </a:rPr>
+              <a:t>tationery Hoe, https://</a:t>
+            </a:r>
+            <a:r>
+              <a:rPr lang="en-AU" sz="2000" b="0" dirty="0" err="1">
+                <a:sym typeface="Montserrat Medium"/>
+              </a:rPr>
+              <a:t>unsplash.com</a:t>
+            </a:r>
+            <a:r>
+              <a:rPr lang="en-AU" sz="2000" b="0" dirty="0">
+                <a:sym typeface="Montserrat Medium"/>
+              </a:rPr>
+              <a:t>/photos/NO1MXvxy02o/</a:t>
+            </a:r>
+          </a:p>
+          <a:p>
+            <a:pPr algn="l">
+              <a:defRPr sz="2000" b="0">
+                <a:solidFill>
+                  <a:srgbClr val="919191"/>
+                </a:solidFill>
+                <a:latin typeface="Montserrat Medium"/>
+                <a:ea typeface="Montserrat Medium"/>
+                <a:cs typeface="Montserrat Medium"/>
+                <a:sym typeface="Montserrat Medium"/>
+              </a:defRPr>
+            </a:pPr>
+            <a:endParaRPr lang="en-AU" dirty="0"/>
+          </a:p>
+        </p:txBody>
+      </p:sp>
+      <p:sp>
+        <p:nvSpPr>
           <p:cNvPr id="43" name="Shape 190">
             <a:extLst>
               <a:ext uri="{FF2B5EF4-FFF2-40B4-BE49-F238E27FC236}">
@@ -7842,7 +7874,7 @@
           </a:ln>
           <a:extLst>
             <a:ext uri="{C572A759-6A51-4108-AA02-DFA0A04FC94B}">
-              <ma14:wrappingTextBoxFlag xmlns="" xmlns:ma14="http://schemas.microsoft.com/office/mac/drawingml/2011/main" val="1"/>
+              <ma14:wrappingTextBoxFlag xmlns:ma14="http://schemas.microsoft.com/office/mac/drawingml/2011/main" xmlns="" val="1"/>
             </a:ext>
           </a:extLst>
         </p:spPr>
@@ -7904,7 +7936,7 @@
           </a:ln>
           <a:extLst>
             <a:ext uri="{C572A759-6A51-4108-AA02-DFA0A04FC94B}">
-              <ma14:wrappingTextBoxFlag xmlns="" xmlns:ma14="http://schemas.microsoft.com/office/mac/drawingml/2011/main" val="1"/>
+              <ma14:wrappingTextBoxFlag xmlns:ma14="http://schemas.microsoft.com/office/mac/drawingml/2011/main" xmlns="" val="1"/>
             </a:ext>
           </a:extLst>
         </p:spPr>
@@ -7966,7 +7998,7 @@
           </a:ln>
           <a:extLst>
             <a:ext uri="{C572A759-6A51-4108-AA02-DFA0A04FC94B}">
-              <ma14:wrappingTextBoxFlag xmlns="" xmlns:ma14="http://schemas.microsoft.com/office/mac/drawingml/2011/main" val="1"/>
+              <ma14:wrappingTextBoxFlag xmlns:ma14="http://schemas.microsoft.com/office/mac/drawingml/2011/main" xmlns="" val="1"/>
             </a:ext>
           </a:extLst>
         </p:spPr>
@@ -8028,7 +8060,7 @@
           </a:ln>
           <a:extLst>
             <a:ext uri="{C572A759-6A51-4108-AA02-DFA0A04FC94B}">
-              <ma14:wrappingTextBoxFlag xmlns="" xmlns:ma14="http://schemas.microsoft.com/office/mac/drawingml/2011/main" val="1"/>
+              <ma14:wrappingTextBoxFlag xmlns:ma14="http://schemas.microsoft.com/office/mac/drawingml/2011/main" xmlns="" val="1"/>
             </a:ext>
           </a:extLst>
         </p:spPr>
@@ -8090,7 +8122,7 @@
           </a:ln>
           <a:extLst>
             <a:ext uri="{C572A759-6A51-4108-AA02-DFA0A04FC94B}">
-              <ma14:wrappingTextBoxFlag xmlns="" xmlns:ma14="http://schemas.microsoft.com/office/mac/drawingml/2011/main" val="1"/>
+              <ma14:wrappingTextBoxFlag xmlns:ma14="http://schemas.microsoft.com/office/mac/drawingml/2011/main" xmlns="" val="1"/>
             </a:ext>
           </a:extLst>
         </p:spPr>
@@ -8250,7 +8282,7 @@
           </a:ln>
           <a:extLst>
             <a:ext uri="{C572A759-6A51-4108-AA02-DFA0A04FC94B}">
-              <ma14:wrappingTextBoxFlag xmlns="" xmlns:ma14="http://schemas.microsoft.com/office/mac/drawingml/2011/main" val="1"/>
+              <ma14:wrappingTextBoxFlag xmlns:ma14="http://schemas.microsoft.com/office/mac/drawingml/2011/main" xmlns="" val="1"/>
             </a:ext>
           </a:extLst>
         </p:spPr>
@@ -8426,7 +8458,7 @@
             </a:ln>
             <a:extLst>
               <a:ext uri="{C572A759-6A51-4108-AA02-DFA0A04FC94B}">
-                <ma14:wrappingTextBoxFlag xmlns="" xmlns:ma14="http://schemas.microsoft.com/office/mac/drawingml/2011/main" val="1"/>
+                <ma14:wrappingTextBoxFlag xmlns:ma14="http://schemas.microsoft.com/office/mac/drawingml/2011/main" xmlns="" val="1"/>
               </a:ext>
             </a:extLst>
           </p:spPr>
@@ -8511,7 +8543,7 @@
             </a:ln>
             <a:extLst>
               <a:ext uri="{C572A759-6A51-4108-AA02-DFA0A04FC94B}">
-                <ma14:wrappingTextBoxFlag xmlns="" xmlns:ma14="http://schemas.microsoft.com/office/mac/drawingml/2011/main" val="1"/>
+                <ma14:wrappingTextBoxFlag xmlns:ma14="http://schemas.microsoft.com/office/mac/drawingml/2011/main" xmlns="" val="1"/>
               </a:ext>
             </a:extLst>
           </p:spPr>
@@ -8614,7 +8646,7 @@
             </a:ln>
             <a:extLst>
               <a:ext uri="{C572A759-6A51-4108-AA02-DFA0A04FC94B}">
-                <ma14:wrappingTextBoxFlag xmlns="" xmlns:ma14="http://schemas.microsoft.com/office/mac/drawingml/2011/main" val="1"/>
+                <ma14:wrappingTextBoxFlag xmlns:ma14="http://schemas.microsoft.com/office/mac/drawingml/2011/main" xmlns="" val="1"/>
               </a:ext>
             </a:extLst>
           </p:spPr>
@@ -8662,7 +8694,7 @@
             </a:ln>
             <a:extLst>
               <a:ext uri="{C572A759-6A51-4108-AA02-DFA0A04FC94B}">
-                <ma14:wrappingTextBoxFlag xmlns="" xmlns:ma14="http://schemas.microsoft.com/office/mac/drawingml/2011/main" val="1"/>
+                <ma14:wrappingTextBoxFlag xmlns:ma14="http://schemas.microsoft.com/office/mac/drawingml/2011/main" xmlns="" val="1"/>
               </a:ext>
             </a:extLst>
           </p:spPr>
@@ -8710,7 +8742,7 @@
             </a:ln>
             <a:extLst>
               <a:ext uri="{C572A759-6A51-4108-AA02-DFA0A04FC94B}">
-                <ma14:wrappingTextBoxFlag xmlns="" xmlns:ma14="http://schemas.microsoft.com/office/mac/drawingml/2011/main" val="1"/>
+                <ma14:wrappingTextBoxFlag xmlns:ma14="http://schemas.microsoft.com/office/mac/drawingml/2011/main" xmlns="" val="1"/>
               </a:ext>
             </a:extLst>
           </p:spPr>
@@ -8872,7 +8904,7 @@
             </a:ln>
             <a:extLst>
               <a:ext uri="{C572A759-6A51-4108-AA02-DFA0A04FC94B}">
-                <ma14:wrappingTextBoxFlag xmlns="" xmlns:ma14="http://schemas.microsoft.com/office/mac/drawingml/2011/main" val="1"/>
+                <ma14:wrappingTextBoxFlag xmlns:ma14="http://schemas.microsoft.com/office/mac/drawingml/2011/main" xmlns="" val="1"/>
               </a:ext>
             </a:extLst>
           </p:spPr>
@@ -8920,7 +8952,7 @@
             </a:ln>
             <a:extLst>
               <a:ext uri="{C572A759-6A51-4108-AA02-DFA0A04FC94B}">
-                <ma14:wrappingTextBoxFlag xmlns="" xmlns:ma14="http://schemas.microsoft.com/office/mac/drawingml/2011/main" val="1"/>
+                <ma14:wrappingTextBoxFlag xmlns:ma14="http://schemas.microsoft.com/office/mac/drawingml/2011/main" xmlns="" val="1"/>
               </a:ext>
             </a:extLst>
           </p:spPr>
@@ -8965,7 +8997,7 @@
             </a:ln>
             <a:extLst>
               <a:ext uri="{C572A759-6A51-4108-AA02-DFA0A04FC94B}">
-                <ma14:wrappingTextBoxFlag xmlns="" xmlns:ma14="http://schemas.microsoft.com/office/mac/drawingml/2011/main" val="1"/>
+                <ma14:wrappingTextBoxFlag xmlns:ma14="http://schemas.microsoft.com/office/mac/drawingml/2011/main" xmlns="" val="1"/>
               </a:ext>
             </a:extLst>
           </p:spPr>
@@ -9092,7 +9124,7 @@
             </a:ln>
             <a:extLst>
               <a:ext uri="{C572A759-6A51-4108-AA02-DFA0A04FC94B}">
-                <ma14:wrappingTextBoxFlag xmlns="" xmlns:ma14="http://schemas.microsoft.com/office/mac/drawingml/2011/main" val="1"/>
+                <ma14:wrappingTextBoxFlag xmlns:ma14="http://schemas.microsoft.com/office/mac/drawingml/2011/main" xmlns="" val="1"/>
               </a:ext>
             </a:extLst>
           </p:spPr>
@@ -9230,7 +9262,7 @@
             </a:ln>
             <a:extLst>
               <a:ext uri="{C572A759-6A51-4108-AA02-DFA0A04FC94B}">
-                <ma14:wrappingTextBoxFlag xmlns="" xmlns:ma14="http://schemas.microsoft.com/office/mac/drawingml/2011/main" val="1"/>
+                <ma14:wrappingTextBoxFlag xmlns:ma14="http://schemas.microsoft.com/office/mac/drawingml/2011/main" xmlns="" val="1"/>
               </a:ext>
             </a:extLst>
           </p:spPr>
@@ -9414,7 +9446,7 @@
           </a:ln>
           <a:extLst>
             <a:ext uri="{C572A759-6A51-4108-AA02-DFA0A04FC94B}">
-              <ma14:wrappingTextBoxFlag xmlns="" xmlns:ma14="http://schemas.microsoft.com/office/mac/drawingml/2011/main" val="1"/>
+              <ma14:wrappingTextBoxFlag xmlns:ma14="http://schemas.microsoft.com/office/mac/drawingml/2011/main" xmlns="" val="1"/>
             </a:ext>
           </a:extLst>
         </p:spPr>
@@ -9443,114 +9475,6 @@
               <a:t>Cards</a:t>
             </a:r>
             <a:endParaRPr dirty="0"/>
-          </a:p>
-        </p:txBody>
-      </p:sp>
-      <p:sp>
-        <p:nvSpPr>
-          <p:cNvPr id="38" name="Shape 275">
-            <a:extLst>
-              <a:ext uri="{FF2B5EF4-FFF2-40B4-BE49-F238E27FC236}">
-                <a16:creationId xmlns:a16="http://schemas.microsoft.com/office/drawing/2014/main" id="{1FC32E30-D490-F349-AA2E-5BA633345ECD}"/>
-              </a:ext>
-            </a:extLst>
-          </p:cNvPr>
-          <p:cNvSpPr/>
-          <p:nvPr/>
-        </p:nvSpPr>
-        <p:spPr>
-          <a:xfrm>
-            <a:off x="15952897" y="12351216"/>
-            <a:ext cx="7672036" cy="1067599"/>
-          </a:xfrm>
-          <a:prstGeom prst="rect">
-            <a:avLst/>
-          </a:prstGeom>
-          <a:ln w="12700">
-            <a:miter lim="400000"/>
-          </a:ln>
-          <a:extLst>
-            <a:ext uri="{C572A759-6A51-4108-AA02-DFA0A04FC94B}">
-              <ma14:wrappingTextBoxFlag xmlns="" xmlns:ma14="http://schemas.microsoft.com/office/mac/drawingml/2011/main" val="1"/>
-            </a:ext>
-          </a:extLst>
-        </p:spPr>
-        <p:txBody>
-          <a:bodyPr wrap="none" lIns="71437" tIns="71437" rIns="71437" bIns="71437" anchor="ctr">
-            <a:spAutoFit/>
-          </a:bodyPr>
-          <a:lstStyle/>
-          <a:p>
-            <a:pPr algn="r">
-              <a:defRPr sz="2000" b="0">
-                <a:solidFill>
-                  <a:srgbClr val="919191"/>
-                </a:solidFill>
-                <a:latin typeface="Montserrat Medium"/>
-                <a:ea typeface="Montserrat Medium"/>
-                <a:cs typeface="Montserrat Medium"/>
-                <a:sym typeface="Montserrat Medium"/>
-              </a:defRPr>
-            </a:pPr>
-            <a:r>
-              <a:rPr dirty="0"/>
-              <a:t>Image Attribution</a:t>
-            </a:r>
-            <a:r>
-              <a:rPr lang="en-AU" dirty="0"/>
-              <a:t>: S</a:t>
-            </a:r>
-            <a:r>
-              <a:rPr lang="en-AU" sz="2000" b="0" dirty="0">
-                <a:sym typeface="Montserrat Medium"/>
-              </a:rPr>
-              <a:t>tationery Hoe, https://</a:t>
-            </a:r>
-            <a:r>
-              <a:rPr lang="en-AU" sz="2000" b="0" dirty="0" err="1">
-                <a:sym typeface="Montserrat Medium"/>
-              </a:rPr>
-              <a:t>unsplash.com</a:t>
-            </a:r>
-            <a:r>
-              <a:rPr lang="en-AU" sz="2000" b="0" dirty="0">
-                <a:sym typeface="Montserrat Medium"/>
-              </a:rPr>
-              <a:t>/</a:t>
-            </a:r>
-          </a:p>
-          <a:p>
-            <a:pPr algn="r">
-              <a:defRPr sz="2000" b="0">
-                <a:solidFill>
-                  <a:srgbClr val="919191"/>
-                </a:solidFill>
-                <a:latin typeface="Montserrat Medium"/>
-                <a:ea typeface="Montserrat Medium"/>
-                <a:cs typeface="Montserrat Medium"/>
-                <a:sym typeface="Montserrat Medium"/>
-              </a:defRPr>
-            </a:pPr>
-            <a:r>
-              <a:rPr lang="en-AU" sz="2000" b="0" dirty="0">
-                <a:sym typeface="Montserrat Medium"/>
-              </a:rPr>
-              <a:t>photos/NO1MXvxy02o/</a:t>
-            </a:r>
-          </a:p>
-          <a:p>
-            <a:pPr algn="r">
-              <a:defRPr sz="2000" b="0">
-                <a:solidFill>
-                  <a:srgbClr val="919191"/>
-                </a:solidFill>
-                <a:latin typeface="Montserrat Medium"/>
-                <a:ea typeface="Montserrat Medium"/>
-                <a:cs typeface="Montserrat Medium"/>
-                <a:sym typeface="Montserrat Medium"/>
-              </a:defRPr>
-            </a:pPr>
-            <a:endParaRPr lang="en-AU" dirty="0"/>
           </a:p>
         </p:txBody>
       </p:sp>
@@ -9582,10 +9506,10 @@
       </p:grpSpPr>
       <p:sp>
         <p:nvSpPr>
-          <p:cNvPr id="38" name="Shape 275">
+          <p:cNvPr id="34" name="Shape 275">
             <a:extLst>
               <a:ext uri="{FF2B5EF4-FFF2-40B4-BE49-F238E27FC236}">
-                <a16:creationId xmlns:a16="http://schemas.microsoft.com/office/drawing/2014/main" id="{B6D98311-FA82-7545-9AD4-FF2138759C8F}"/>
+                <a16:creationId xmlns:a16="http://schemas.microsoft.com/office/drawing/2014/main" id="{C01A553C-F58B-CC44-95B9-5DF3DDEBA10D}"/>
               </a:ext>
             </a:extLst>
           </p:cNvPr>
@@ -9594,8 +9518,8 @@
         </p:nvSpPr>
         <p:spPr>
           <a:xfrm>
-            <a:off x="15952897" y="12351216"/>
-            <a:ext cx="7672036" cy="1067599"/>
+            <a:off x="11959389" y="12505104"/>
+            <a:ext cx="11665544" cy="759822"/>
           </a:xfrm>
           <a:prstGeom prst="rect">
             <a:avLst/>
@@ -9605,12 +9529,12 @@
           </a:ln>
           <a:extLst>
             <a:ext uri="{C572A759-6A51-4108-AA02-DFA0A04FC94B}">
-              <ma14:wrappingTextBoxFlag xmlns="" xmlns:ma14="http://schemas.microsoft.com/office/mac/drawingml/2011/main" val="1"/>
+              <ma14:wrappingTextBoxFlag xmlns:ma14="http://schemas.microsoft.com/office/mac/drawingml/2011/main" xmlns="" val="1"/>
             </a:ext>
           </a:extLst>
         </p:spPr>
         <p:txBody>
-          <a:bodyPr wrap="none" lIns="71437" tIns="71437" rIns="71437" bIns="71437" anchor="ctr">
+          <a:bodyPr wrap="square" lIns="71437" tIns="71437" rIns="71437" bIns="71437" anchor="ctr">
             <a:spAutoFit/>
           </a:bodyPr>
           <a:lstStyle/>
@@ -9650,30 +9574,11 @@
               <a:rPr lang="en-AU" sz="2000" b="0" dirty="0">
                 <a:sym typeface="Montserrat Medium"/>
               </a:rPr>
-              <a:t>/</a:t>
+              <a:t>/photos/NO1MXvxy02o/</a:t>
             </a:r>
           </a:p>
           <a:p>
-            <a:pPr algn="r">
-              <a:defRPr sz="2000" b="0">
-                <a:solidFill>
-                  <a:srgbClr val="919191"/>
-                </a:solidFill>
-                <a:latin typeface="Montserrat Medium"/>
-                <a:ea typeface="Montserrat Medium"/>
-                <a:cs typeface="Montserrat Medium"/>
-                <a:sym typeface="Montserrat Medium"/>
-              </a:defRPr>
-            </a:pPr>
-            <a:r>
-              <a:rPr lang="en-AU" sz="2000" b="0" dirty="0">
-                <a:sym typeface="Montserrat Medium"/>
-              </a:rPr>
-              <a:t>photos/NO1MXvxy02o/</a:t>
-            </a:r>
-          </a:p>
-          <a:p>
-            <a:pPr algn="r">
+            <a:pPr algn="l">
               <a:defRPr sz="2000" b="0">
                 <a:solidFill>
                   <a:srgbClr val="919191"/>
@@ -9713,7 +9618,7 @@
           </a:ln>
           <a:extLst>
             <a:ext uri="{C572A759-6A51-4108-AA02-DFA0A04FC94B}">
-              <ma14:wrappingTextBoxFlag xmlns="" xmlns:ma14="http://schemas.microsoft.com/office/mac/drawingml/2011/main" val="1"/>
+              <ma14:wrappingTextBoxFlag xmlns:ma14="http://schemas.microsoft.com/office/mac/drawingml/2011/main" xmlns="" val="1"/>
             </a:ext>
           </a:extLst>
         </p:spPr>
@@ -9775,7 +9680,7 @@
           </a:ln>
           <a:extLst>
             <a:ext uri="{C572A759-6A51-4108-AA02-DFA0A04FC94B}">
-              <ma14:wrappingTextBoxFlag xmlns="" xmlns:ma14="http://schemas.microsoft.com/office/mac/drawingml/2011/main" val="1"/>
+              <ma14:wrappingTextBoxFlag xmlns:ma14="http://schemas.microsoft.com/office/mac/drawingml/2011/main" xmlns="" val="1"/>
             </a:ext>
           </a:extLst>
         </p:spPr>
@@ -9837,7 +9742,7 @@
           </a:ln>
           <a:extLst>
             <a:ext uri="{C572A759-6A51-4108-AA02-DFA0A04FC94B}">
-              <ma14:wrappingTextBoxFlag xmlns="" xmlns:ma14="http://schemas.microsoft.com/office/mac/drawingml/2011/main" val="1"/>
+              <ma14:wrappingTextBoxFlag xmlns:ma14="http://schemas.microsoft.com/office/mac/drawingml/2011/main" xmlns="" val="1"/>
             </a:ext>
           </a:extLst>
         </p:spPr>
@@ -9899,7 +9804,7 @@
           </a:ln>
           <a:extLst>
             <a:ext uri="{C572A759-6A51-4108-AA02-DFA0A04FC94B}">
-              <ma14:wrappingTextBoxFlag xmlns="" xmlns:ma14="http://schemas.microsoft.com/office/mac/drawingml/2011/main" val="1"/>
+              <ma14:wrappingTextBoxFlag xmlns:ma14="http://schemas.microsoft.com/office/mac/drawingml/2011/main" xmlns="" val="1"/>
             </a:ext>
           </a:extLst>
         </p:spPr>
@@ -9961,7 +9866,7 @@
           </a:ln>
           <a:extLst>
             <a:ext uri="{C572A759-6A51-4108-AA02-DFA0A04FC94B}">
-              <ma14:wrappingTextBoxFlag xmlns="" xmlns:ma14="http://schemas.microsoft.com/office/mac/drawingml/2011/main" val="1"/>
+              <ma14:wrappingTextBoxFlag xmlns:ma14="http://schemas.microsoft.com/office/mac/drawingml/2011/main" xmlns="" val="1"/>
             </a:ext>
           </a:extLst>
         </p:spPr>
@@ -10183,7 +10088,7 @@
             </a:ln>
             <a:extLst>
               <a:ext uri="{C572A759-6A51-4108-AA02-DFA0A04FC94B}">
-                <ma14:wrappingTextBoxFlag xmlns="" xmlns:ma14="http://schemas.microsoft.com/office/mac/drawingml/2011/main" val="1"/>
+                <ma14:wrappingTextBoxFlag xmlns:ma14="http://schemas.microsoft.com/office/mac/drawingml/2011/main" xmlns="" val="1"/>
               </a:ext>
             </a:extLst>
           </p:spPr>
@@ -10268,7 +10173,7 @@
             </a:ln>
             <a:extLst>
               <a:ext uri="{C572A759-6A51-4108-AA02-DFA0A04FC94B}">
-                <ma14:wrappingTextBoxFlag xmlns="" xmlns:ma14="http://schemas.microsoft.com/office/mac/drawingml/2011/main" val="1"/>
+                <ma14:wrappingTextBoxFlag xmlns:ma14="http://schemas.microsoft.com/office/mac/drawingml/2011/main" xmlns="" val="1"/>
               </a:ext>
             </a:extLst>
           </p:spPr>
@@ -10371,7 +10276,7 @@
             </a:ln>
             <a:extLst>
               <a:ext uri="{C572A759-6A51-4108-AA02-DFA0A04FC94B}">
-                <ma14:wrappingTextBoxFlag xmlns="" xmlns:ma14="http://schemas.microsoft.com/office/mac/drawingml/2011/main" val="1"/>
+                <ma14:wrappingTextBoxFlag xmlns:ma14="http://schemas.microsoft.com/office/mac/drawingml/2011/main" xmlns="" val="1"/>
               </a:ext>
             </a:extLst>
           </p:spPr>
@@ -10419,7 +10324,7 @@
             </a:ln>
             <a:extLst>
               <a:ext uri="{C572A759-6A51-4108-AA02-DFA0A04FC94B}">
-                <ma14:wrappingTextBoxFlag xmlns="" xmlns:ma14="http://schemas.microsoft.com/office/mac/drawingml/2011/main" val="1"/>
+                <ma14:wrappingTextBoxFlag xmlns:ma14="http://schemas.microsoft.com/office/mac/drawingml/2011/main" xmlns="" val="1"/>
               </a:ext>
             </a:extLst>
           </p:spPr>
@@ -10467,7 +10372,7 @@
             </a:ln>
             <a:extLst>
               <a:ext uri="{C572A759-6A51-4108-AA02-DFA0A04FC94B}">
-                <ma14:wrappingTextBoxFlag xmlns="" xmlns:ma14="http://schemas.microsoft.com/office/mac/drawingml/2011/main" val="1"/>
+                <ma14:wrappingTextBoxFlag xmlns:ma14="http://schemas.microsoft.com/office/mac/drawingml/2011/main" xmlns="" val="1"/>
               </a:ext>
             </a:extLst>
           </p:spPr>
@@ -10629,7 +10534,7 @@
             </a:ln>
             <a:extLst>
               <a:ext uri="{C572A759-6A51-4108-AA02-DFA0A04FC94B}">
-                <ma14:wrappingTextBoxFlag xmlns="" xmlns:ma14="http://schemas.microsoft.com/office/mac/drawingml/2011/main" val="1"/>
+                <ma14:wrappingTextBoxFlag xmlns:ma14="http://schemas.microsoft.com/office/mac/drawingml/2011/main" xmlns="" val="1"/>
               </a:ext>
             </a:extLst>
           </p:spPr>
@@ -10677,7 +10582,7 @@
             </a:ln>
             <a:extLst>
               <a:ext uri="{C572A759-6A51-4108-AA02-DFA0A04FC94B}">
-                <ma14:wrappingTextBoxFlag xmlns="" xmlns:ma14="http://schemas.microsoft.com/office/mac/drawingml/2011/main" val="1"/>
+                <ma14:wrappingTextBoxFlag xmlns:ma14="http://schemas.microsoft.com/office/mac/drawingml/2011/main" xmlns="" val="1"/>
               </a:ext>
             </a:extLst>
           </p:spPr>
@@ -10805,7 +10710,7 @@
             </a:ln>
             <a:extLst>
               <a:ext uri="{C572A759-6A51-4108-AA02-DFA0A04FC94B}">
-                <ma14:wrappingTextBoxFlag xmlns="" xmlns:ma14="http://schemas.microsoft.com/office/mac/drawingml/2011/main" val="1"/>
+                <ma14:wrappingTextBoxFlag xmlns:ma14="http://schemas.microsoft.com/office/mac/drawingml/2011/main" xmlns="" val="1"/>
               </a:ext>
             </a:extLst>
           </p:spPr>
@@ -10943,7 +10848,7 @@
             </a:ln>
             <a:extLst>
               <a:ext uri="{C572A759-6A51-4108-AA02-DFA0A04FC94B}">
-                <ma14:wrappingTextBoxFlag xmlns="" xmlns:ma14="http://schemas.microsoft.com/office/mac/drawingml/2011/main" val="1"/>
+                <ma14:wrappingTextBoxFlag xmlns:ma14="http://schemas.microsoft.com/office/mac/drawingml/2011/main" xmlns="" val="1"/>
               </a:ext>
             </a:extLst>
           </p:spPr>
@@ -11064,7 +10969,7 @@
           </a:ln>
           <a:extLst>
             <a:ext uri="{C572A759-6A51-4108-AA02-DFA0A04FC94B}">
-              <ma14:wrappingTextBoxFlag xmlns="" xmlns:ma14="http://schemas.microsoft.com/office/mac/drawingml/2011/main" val="1"/>
+              <ma14:wrappingTextBoxFlag xmlns:ma14="http://schemas.microsoft.com/office/mac/drawingml/2011/main" xmlns="" val="1"/>
             </a:ext>
           </a:extLst>
         </p:spPr>
@@ -11241,7 +11146,7 @@
           </a:ln>
           <a:extLst>
             <a:ext uri="{C572A759-6A51-4108-AA02-DFA0A04FC94B}">
-              <ma14:wrappingTextBoxFlag xmlns="" xmlns:ma14="http://schemas.microsoft.com/office/mac/drawingml/2011/main" val="1"/>
+              <ma14:wrappingTextBoxFlag xmlns:ma14="http://schemas.microsoft.com/office/mac/drawingml/2011/main" xmlns="" val="1"/>
             </a:ext>
           </a:extLst>
         </p:spPr>
@@ -11301,10 +11206,10 @@
       </p:grpSpPr>
       <p:sp>
         <p:nvSpPr>
-          <p:cNvPr id="43" name="Shape 275">
+          <p:cNvPr id="34" name="Shape 275">
             <a:extLst>
               <a:ext uri="{FF2B5EF4-FFF2-40B4-BE49-F238E27FC236}">
-                <a16:creationId xmlns:a16="http://schemas.microsoft.com/office/drawing/2014/main" id="{CC2A7990-67B2-3F4A-B59D-AD3172E018AF}"/>
+                <a16:creationId xmlns:a16="http://schemas.microsoft.com/office/drawing/2014/main" id="{2E90B8C3-1FAE-B74A-AFFD-CBA7443B38B5}"/>
               </a:ext>
             </a:extLst>
           </p:cNvPr>
@@ -11313,8 +11218,8 @@
         </p:nvSpPr>
         <p:spPr>
           <a:xfrm>
-            <a:off x="15952897" y="12351216"/>
-            <a:ext cx="7672036" cy="1067599"/>
+            <a:off x="11959389" y="12505104"/>
+            <a:ext cx="11665544" cy="759822"/>
           </a:xfrm>
           <a:prstGeom prst="rect">
             <a:avLst/>
@@ -11324,12 +11229,12 @@
           </a:ln>
           <a:extLst>
             <a:ext uri="{C572A759-6A51-4108-AA02-DFA0A04FC94B}">
-              <ma14:wrappingTextBoxFlag xmlns="" xmlns:ma14="http://schemas.microsoft.com/office/mac/drawingml/2011/main" val="1"/>
+              <ma14:wrappingTextBoxFlag xmlns:ma14="http://schemas.microsoft.com/office/mac/drawingml/2011/main" xmlns="" val="1"/>
             </a:ext>
           </a:extLst>
         </p:spPr>
         <p:txBody>
-          <a:bodyPr wrap="none" lIns="71437" tIns="71437" rIns="71437" bIns="71437" anchor="ctr">
+          <a:bodyPr wrap="square" lIns="71437" tIns="71437" rIns="71437" bIns="71437" anchor="ctr">
             <a:spAutoFit/>
           </a:bodyPr>
           <a:lstStyle/>
@@ -11369,30 +11274,11 @@
               <a:rPr lang="en-AU" sz="2000" b="0" dirty="0">
                 <a:sym typeface="Montserrat Medium"/>
               </a:rPr>
-              <a:t>/</a:t>
+              <a:t>/photos/NO1MXvxy02o/</a:t>
             </a:r>
           </a:p>
           <a:p>
-            <a:pPr algn="r">
-              <a:defRPr sz="2000" b="0">
-                <a:solidFill>
-                  <a:srgbClr val="919191"/>
-                </a:solidFill>
-                <a:latin typeface="Montserrat Medium"/>
-                <a:ea typeface="Montserrat Medium"/>
-                <a:cs typeface="Montserrat Medium"/>
-                <a:sym typeface="Montserrat Medium"/>
-              </a:defRPr>
-            </a:pPr>
-            <a:r>
-              <a:rPr lang="en-AU" sz="2000" b="0" dirty="0">
-                <a:sym typeface="Montserrat Medium"/>
-              </a:rPr>
-              <a:t>photos/NO1MXvxy02o/</a:t>
-            </a:r>
-          </a:p>
-          <a:p>
-            <a:pPr algn="r">
+            <a:pPr algn="l">
               <a:defRPr sz="2000" b="0">
                 <a:solidFill>
                   <a:srgbClr val="919191"/>
@@ -11432,7 +11318,7 @@
           </a:ln>
           <a:extLst>
             <a:ext uri="{C572A759-6A51-4108-AA02-DFA0A04FC94B}">
-              <ma14:wrappingTextBoxFlag xmlns="" xmlns:ma14="http://schemas.microsoft.com/office/mac/drawingml/2011/main" val="1"/>
+              <ma14:wrappingTextBoxFlag xmlns:ma14="http://schemas.microsoft.com/office/mac/drawingml/2011/main" xmlns="" val="1"/>
             </a:ext>
           </a:extLst>
         </p:spPr>
@@ -11494,7 +11380,7 @@
           </a:ln>
           <a:extLst>
             <a:ext uri="{C572A759-6A51-4108-AA02-DFA0A04FC94B}">
-              <ma14:wrappingTextBoxFlag xmlns="" xmlns:ma14="http://schemas.microsoft.com/office/mac/drawingml/2011/main" val="1"/>
+              <ma14:wrappingTextBoxFlag xmlns:ma14="http://schemas.microsoft.com/office/mac/drawingml/2011/main" xmlns="" val="1"/>
             </a:ext>
           </a:extLst>
         </p:spPr>
@@ -11556,7 +11442,7 @@
           </a:ln>
           <a:extLst>
             <a:ext uri="{C572A759-6A51-4108-AA02-DFA0A04FC94B}">
-              <ma14:wrappingTextBoxFlag xmlns="" xmlns:ma14="http://schemas.microsoft.com/office/mac/drawingml/2011/main" val="1"/>
+              <ma14:wrappingTextBoxFlag xmlns:ma14="http://schemas.microsoft.com/office/mac/drawingml/2011/main" xmlns="" val="1"/>
             </a:ext>
           </a:extLst>
         </p:spPr>
@@ -11618,7 +11504,7 @@
           </a:ln>
           <a:extLst>
             <a:ext uri="{C572A759-6A51-4108-AA02-DFA0A04FC94B}">
-              <ma14:wrappingTextBoxFlag xmlns="" xmlns:ma14="http://schemas.microsoft.com/office/mac/drawingml/2011/main" val="1"/>
+              <ma14:wrappingTextBoxFlag xmlns:ma14="http://schemas.microsoft.com/office/mac/drawingml/2011/main" xmlns="" val="1"/>
             </a:ext>
           </a:extLst>
         </p:spPr>
@@ -11680,7 +11566,7 @@
           </a:ln>
           <a:extLst>
             <a:ext uri="{C572A759-6A51-4108-AA02-DFA0A04FC94B}">
-              <ma14:wrappingTextBoxFlag xmlns="" xmlns:ma14="http://schemas.microsoft.com/office/mac/drawingml/2011/main" val="1"/>
+              <ma14:wrappingTextBoxFlag xmlns:ma14="http://schemas.microsoft.com/office/mac/drawingml/2011/main" xmlns="" val="1"/>
             </a:ext>
           </a:extLst>
         </p:spPr>
@@ -11902,7 +11788,7 @@
             </a:ln>
             <a:extLst>
               <a:ext uri="{C572A759-6A51-4108-AA02-DFA0A04FC94B}">
-                <ma14:wrappingTextBoxFlag xmlns="" xmlns:ma14="http://schemas.microsoft.com/office/mac/drawingml/2011/main" val="1"/>
+                <ma14:wrappingTextBoxFlag xmlns:ma14="http://schemas.microsoft.com/office/mac/drawingml/2011/main" xmlns="" val="1"/>
               </a:ext>
             </a:extLst>
           </p:spPr>
@@ -11987,7 +11873,7 @@
             </a:ln>
             <a:extLst>
               <a:ext uri="{C572A759-6A51-4108-AA02-DFA0A04FC94B}">
-                <ma14:wrappingTextBoxFlag xmlns="" xmlns:ma14="http://schemas.microsoft.com/office/mac/drawingml/2011/main" val="1"/>
+                <ma14:wrappingTextBoxFlag xmlns:ma14="http://schemas.microsoft.com/office/mac/drawingml/2011/main" xmlns="" val="1"/>
               </a:ext>
             </a:extLst>
           </p:spPr>
@@ -12090,7 +11976,7 @@
             </a:ln>
             <a:extLst>
               <a:ext uri="{C572A759-6A51-4108-AA02-DFA0A04FC94B}">
-                <ma14:wrappingTextBoxFlag xmlns="" xmlns:ma14="http://schemas.microsoft.com/office/mac/drawingml/2011/main" val="1"/>
+                <ma14:wrappingTextBoxFlag xmlns:ma14="http://schemas.microsoft.com/office/mac/drawingml/2011/main" xmlns="" val="1"/>
               </a:ext>
             </a:extLst>
           </p:spPr>
@@ -12138,7 +12024,7 @@
             </a:ln>
             <a:extLst>
               <a:ext uri="{C572A759-6A51-4108-AA02-DFA0A04FC94B}">
-                <ma14:wrappingTextBoxFlag xmlns="" xmlns:ma14="http://schemas.microsoft.com/office/mac/drawingml/2011/main" val="1"/>
+                <ma14:wrappingTextBoxFlag xmlns:ma14="http://schemas.microsoft.com/office/mac/drawingml/2011/main" xmlns="" val="1"/>
               </a:ext>
             </a:extLst>
           </p:spPr>
@@ -12186,7 +12072,7 @@
             </a:ln>
             <a:extLst>
               <a:ext uri="{C572A759-6A51-4108-AA02-DFA0A04FC94B}">
-                <ma14:wrappingTextBoxFlag xmlns="" xmlns:ma14="http://schemas.microsoft.com/office/mac/drawingml/2011/main" val="1"/>
+                <ma14:wrappingTextBoxFlag xmlns:ma14="http://schemas.microsoft.com/office/mac/drawingml/2011/main" xmlns="" val="1"/>
               </a:ext>
             </a:extLst>
           </p:spPr>
@@ -12348,7 +12234,7 @@
             </a:ln>
             <a:extLst>
               <a:ext uri="{C572A759-6A51-4108-AA02-DFA0A04FC94B}">
-                <ma14:wrappingTextBoxFlag xmlns="" xmlns:ma14="http://schemas.microsoft.com/office/mac/drawingml/2011/main" val="1"/>
+                <ma14:wrappingTextBoxFlag xmlns:ma14="http://schemas.microsoft.com/office/mac/drawingml/2011/main" xmlns="" val="1"/>
               </a:ext>
             </a:extLst>
           </p:spPr>
@@ -12396,7 +12282,7 @@
             </a:ln>
             <a:extLst>
               <a:ext uri="{C572A759-6A51-4108-AA02-DFA0A04FC94B}">
-                <ma14:wrappingTextBoxFlag xmlns="" xmlns:ma14="http://schemas.microsoft.com/office/mac/drawingml/2011/main" val="1"/>
+                <ma14:wrappingTextBoxFlag xmlns:ma14="http://schemas.microsoft.com/office/mac/drawingml/2011/main" xmlns="" val="1"/>
               </a:ext>
             </a:extLst>
           </p:spPr>
@@ -12524,7 +12410,7 @@
             </a:ln>
             <a:extLst>
               <a:ext uri="{C572A759-6A51-4108-AA02-DFA0A04FC94B}">
-                <ma14:wrappingTextBoxFlag xmlns="" xmlns:ma14="http://schemas.microsoft.com/office/mac/drawingml/2011/main" val="1"/>
+                <ma14:wrappingTextBoxFlag xmlns:ma14="http://schemas.microsoft.com/office/mac/drawingml/2011/main" xmlns="" val="1"/>
               </a:ext>
             </a:extLst>
           </p:spPr>
@@ -12662,7 +12548,7 @@
             </a:ln>
             <a:extLst>
               <a:ext uri="{C572A759-6A51-4108-AA02-DFA0A04FC94B}">
-                <ma14:wrappingTextBoxFlag xmlns="" xmlns:ma14="http://schemas.microsoft.com/office/mac/drawingml/2011/main" val="1"/>
+                <ma14:wrappingTextBoxFlag xmlns:ma14="http://schemas.microsoft.com/office/mac/drawingml/2011/main" xmlns="" val="1"/>
               </a:ext>
             </a:extLst>
           </p:spPr>
@@ -12783,7 +12669,7 @@
           </a:ln>
           <a:extLst>
             <a:ext uri="{C572A759-6A51-4108-AA02-DFA0A04FC94B}">
-              <ma14:wrappingTextBoxFlag xmlns="" xmlns:ma14="http://schemas.microsoft.com/office/mac/drawingml/2011/main" val="1"/>
+              <ma14:wrappingTextBoxFlag xmlns:ma14="http://schemas.microsoft.com/office/mac/drawingml/2011/main" xmlns="" val="1"/>
             </a:ext>
           </a:extLst>
         </p:spPr>
@@ -12960,7 +12846,7 @@
           </a:ln>
           <a:extLst>
             <a:ext uri="{C572A759-6A51-4108-AA02-DFA0A04FC94B}">
-              <ma14:wrappingTextBoxFlag xmlns="" xmlns:ma14="http://schemas.microsoft.com/office/mac/drawingml/2011/main" val="1"/>
+              <ma14:wrappingTextBoxFlag xmlns:ma14="http://schemas.microsoft.com/office/mac/drawingml/2011/main" xmlns="" val="1"/>
             </a:ext>
           </a:extLst>
         </p:spPr>
@@ -13085,7 +12971,7 @@
             </a:ln>
             <a:extLst>
               <a:ext uri="{C572A759-6A51-4108-AA02-DFA0A04FC94B}">
-                <ma14:wrappingTextBoxFlag xmlns="" xmlns:ma14="http://schemas.microsoft.com/office/mac/drawingml/2011/main" val="1"/>
+                <ma14:wrappingTextBoxFlag xmlns:ma14="http://schemas.microsoft.com/office/mac/drawingml/2011/main" xmlns="" val="1"/>
               </a:ext>
             </a:extLst>
           </p:spPr>
@@ -13172,7 +13058,7 @@
             </a:ln>
             <a:extLst>
               <a:ext uri="{C572A759-6A51-4108-AA02-DFA0A04FC94B}">
-                <ma14:wrappingTextBoxFlag xmlns="" xmlns:ma14="http://schemas.microsoft.com/office/mac/drawingml/2011/main" val="1"/>
+                <ma14:wrappingTextBoxFlag xmlns:ma14="http://schemas.microsoft.com/office/mac/drawingml/2011/main" xmlns="" val="1"/>
               </a:ext>
             </a:extLst>
           </p:spPr>
@@ -13219,7 +13105,7 @@
             </a:ln>
             <a:extLst>
               <a:ext uri="{C572A759-6A51-4108-AA02-DFA0A04FC94B}">
-                <ma14:wrappingTextBoxFlag xmlns="" xmlns:ma14="http://schemas.microsoft.com/office/mac/drawingml/2011/main" val="1"/>
+                <ma14:wrappingTextBoxFlag xmlns:ma14="http://schemas.microsoft.com/office/mac/drawingml/2011/main" xmlns="" val="1"/>
               </a:ext>
             </a:extLst>
           </p:spPr>
@@ -13371,7 +13257,7 @@
             </a:ln>
             <a:extLst>
               <a:ext uri="{C572A759-6A51-4108-AA02-DFA0A04FC94B}">
-                <ma14:wrappingTextBoxFlag xmlns="" xmlns:ma14="http://schemas.microsoft.com/office/mac/drawingml/2011/main" val="1"/>
+                <ma14:wrappingTextBoxFlag xmlns:ma14="http://schemas.microsoft.com/office/mac/drawingml/2011/main" xmlns="" val="1"/>
               </a:ext>
             </a:extLst>
           </p:spPr>
@@ -13576,7 +13462,7 @@
             </a:ln>
             <a:extLst>
               <a:ext uri="{C572A759-6A51-4108-AA02-DFA0A04FC94B}">
-                <ma14:wrappingTextBoxFlag xmlns="" xmlns:ma14="http://schemas.microsoft.com/office/mac/drawingml/2011/main" val="1"/>
+                <ma14:wrappingTextBoxFlag xmlns:ma14="http://schemas.microsoft.com/office/mac/drawingml/2011/main" xmlns="" val="1"/>
               </a:ext>
             </a:extLst>
           </p:spPr>
@@ -13671,7 +13557,7 @@
             </a:ln>
             <a:extLst>
               <a:ext uri="{C572A759-6A51-4108-AA02-DFA0A04FC94B}">
-                <ma14:wrappingTextBoxFlag xmlns="" xmlns:ma14="http://schemas.microsoft.com/office/mac/drawingml/2011/main" val="1"/>
+                <ma14:wrappingTextBoxFlag xmlns:ma14="http://schemas.microsoft.com/office/mac/drawingml/2011/main" xmlns="" val="1"/>
               </a:ext>
             </a:extLst>
           </p:spPr>
@@ -13762,7 +13648,7 @@
             </a:ln>
             <a:extLst>
               <a:ext uri="{C572A759-6A51-4108-AA02-DFA0A04FC94B}">
-                <ma14:wrappingTextBoxFlag xmlns="" xmlns:ma14="http://schemas.microsoft.com/office/mac/drawingml/2011/main" val="1"/>
+                <ma14:wrappingTextBoxFlag xmlns:ma14="http://schemas.microsoft.com/office/mac/drawingml/2011/main" xmlns="" val="1"/>
               </a:ext>
             </a:extLst>
           </p:spPr>
@@ -13941,7 +13827,7 @@
             </a:ln>
             <a:extLst>
               <a:ext uri="{C572A759-6A51-4108-AA02-DFA0A04FC94B}">
-                <ma14:wrappingTextBoxFlag xmlns="" xmlns:ma14="http://schemas.microsoft.com/office/mac/drawingml/2011/main" val="1"/>
+                <ma14:wrappingTextBoxFlag xmlns:ma14="http://schemas.microsoft.com/office/mac/drawingml/2011/main" xmlns="" val="1"/>
               </a:ext>
             </a:extLst>
           </p:spPr>
